--- a/Prezentatsia_Unix.pptx
+++ b/Prezentatsia_Unix.pptx
@@ -4066,13 +4066,13 @@
   <p:clrMapOvr>
     <a:masterClrMapping/>
   </p:clrMapOvr>
-  <mc:AlternateContent xmlns:mc="http://schemas.openxmlformats.org/markup-compatibility/2006">
-    <mc:Choice xmlns:p14="http://schemas.microsoft.com/office/powerpoint/2010/main" Requires="p14">
+  <mc:AlternateContent xmlns:mc="http://schemas.openxmlformats.org/markup-compatibility/2006" xmlns:p14="http://schemas.microsoft.com/office/powerpoint/2010/main">
+    <mc:Choice Requires="p14">
       <p:transition spd="med" p14:dur="700">
         <p:fade/>
       </p:transition>
     </mc:Choice>
-    <mc:Fallback>
+    <mc:Fallback xmlns="">
       <p:transition spd="med">
         <p:fade/>
       </p:transition>
@@ -4216,13 +4216,13 @@
   <p:clrMapOvr>
     <a:masterClrMapping/>
   </p:clrMapOvr>
-  <mc:AlternateContent xmlns:mc="http://schemas.openxmlformats.org/markup-compatibility/2006">
-    <mc:Choice xmlns:p14="http://schemas.microsoft.com/office/powerpoint/2010/main" Requires="p14">
+  <mc:AlternateContent xmlns:mc="http://schemas.openxmlformats.org/markup-compatibility/2006" xmlns:p14="http://schemas.microsoft.com/office/powerpoint/2010/main">
+    <mc:Choice Requires="p14">
       <p:transition spd="med" p14:dur="700">
         <p:fade/>
       </p:transition>
     </mc:Choice>
-    <mc:Fallback>
+    <mc:Fallback xmlns="">
       <p:transition spd="med">
         <p:fade/>
       </p:transition>
@@ -4328,13 +4328,13 @@
   <p:clrMapOvr>
     <a:masterClrMapping/>
   </p:clrMapOvr>
-  <mc:AlternateContent xmlns:mc="http://schemas.openxmlformats.org/markup-compatibility/2006">
-    <mc:Choice xmlns:p14="http://schemas.microsoft.com/office/powerpoint/2010/main" Requires="p14">
+  <mc:AlternateContent xmlns:mc="http://schemas.openxmlformats.org/markup-compatibility/2006" xmlns:p14="http://schemas.microsoft.com/office/powerpoint/2010/main">
+    <mc:Choice Requires="p14">
       <p:transition spd="med" p14:dur="700">
         <p:fade/>
       </p:transition>
     </mc:Choice>
-    <mc:Fallback>
+    <mc:Fallback xmlns="">
       <p:transition spd="med">
         <p:fade/>
       </p:transition>
@@ -4724,13 +4724,13 @@
   <p:clrMapOvr>
     <a:masterClrMapping/>
   </p:clrMapOvr>
-  <mc:AlternateContent xmlns:mc="http://schemas.openxmlformats.org/markup-compatibility/2006">
-    <mc:Choice xmlns:p14="http://schemas.microsoft.com/office/powerpoint/2010/main" Requires="p14">
+  <mc:AlternateContent xmlns:mc="http://schemas.openxmlformats.org/markup-compatibility/2006" xmlns:p14="http://schemas.microsoft.com/office/powerpoint/2010/main">
+    <mc:Choice Requires="p14">
       <p:transition spd="med" p14:dur="700">
         <p:fade/>
       </p:transition>
     </mc:Choice>
-    <mc:Fallback>
+    <mc:Fallback xmlns="">
       <p:transition spd="med">
         <p:fade/>
       </p:transition>
@@ -4923,13 +4923,13 @@
   <p:clrMapOvr>
     <a:masterClrMapping/>
   </p:clrMapOvr>
-  <mc:AlternateContent xmlns:mc="http://schemas.openxmlformats.org/markup-compatibility/2006">
-    <mc:Choice xmlns:p14="http://schemas.microsoft.com/office/powerpoint/2010/main" Requires="p14">
+  <mc:AlternateContent xmlns:mc="http://schemas.openxmlformats.org/markup-compatibility/2006" xmlns:p14="http://schemas.microsoft.com/office/powerpoint/2010/main">
+    <mc:Choice Requires="p14">
       <p:transition spd="med" p14:dur="700">
         <p:fade/>
       </p:transition>
     </mc:Choice>
-    <mc:Fallback>
+    <mc:Fallback xmlns="">
       <p:transition spd="med">
         <p:fade/>
       </p:transition>
@@ -5333,13 +5333,13 @@
   <p:clrMapOvr>
     <a:masterClrMapping/>
   </p:clrMapOvr>
-  <mc:AlternateContent xmlns:mc="http://schemas.openxmlformats.org/markup-compatibility/2006">
-    <mc:Choice xmlns:p14="http://schemas.microsoft.com/office/powerpoint/2010/main" Requires="p14">
+  <mc:AlternateContent xmlns:mc="http://schemas.openxmlformats.org/markup-compatibility/2006" xmlns:p14="http://schemas.microsoft.com/office/powerpoint/2010/main">
+    <mc:Choice Requires="p14">
       <p:transition spd="med" p14:dur="700">
         <p:fade/>
       </p:transition>
     </mc:Choice>
-    <mc:Fallback>
+    <mc:Fallback xmlns="">
       <p:transition spd="med">
         <p:fade/>
       </p:transition>
@@ -5541,13 +5541,13 @@
   <p:clrMapOvr>
     <a:masterClrMapping/>
   </p:clrMapOvr>
-  <mc:AlternateContent xmlns:mc="http://schemas.openxmlformats.org/markup-compatibility/2006">
-    <mc:Choice xmlns:p14="http://schemas.microsoft.com/office/powerpoint/2010/main" Requires="p14">
+  <mc:AlternateContent xmlns:mc="http://schemas.openxmlformats.org/markup-compatibility/2006" xmlns:p14="http://schemas.microsoft.com/office/powerpoint/2010/main">
+    <mc:Choice Requires="p14">
       <p:transition spd="med" p14:dur="700">
         <p:fade/>
       </p:transition>
     </mc:Choice>
-    <mc:Fallback>
+    <mc:Fallback xmlns="">
       <p:transition spd="med">
         <p:fade/>
       </p:transition>
@@ -5610,10 +5610,10 @@
       </p:sp>
       <p:pic>
         <p:nvPicPr>
-          <p:cNvPr id="5" name="Content Placeholder 4" descr="A screenshot of a computer&#10;&#10;Description automatically generated">
+          <p:cNvPr id="7" name="Content Placeholder 6">
             <a:extLst>
               <a:ext uri="{FF2B5EF4-FFF2-40B4-BE49-F238E27FC236}">
-                <a16:creationId xmlns:a16="http://schemas.microsoft.com/office/drawing/2014/main" id="{4E947C4D-6478-984B-A41B-2CAC8C10AA21}"/>
+                <a16:creationId xmlns:a16="http://schemas.microsoft.com/office/drawing/2014/main" id="{672A1A84-0E13-E645-BE76-4CAE3867A836}"/>
               </a:ext>
             </a:extLst>
           </p:cNvPr>
@@ -5653,13 +5653,13 @@
   <p:clrMapOvr>
     <a:masterClrMapping/>
   </p:clrMapOvr>
-  <mc:AlternateContent xmlns:mc="http://schemas.openxmlformats.org/markup-compatibility/2006">
-    <mc:Choice xmlns:p14="http://schemas.microsoft.com/office/powerpoint/2010/main" Requires="p14">
+  <mc:AlternateContent xmlns:mc="http://schemas.openxmlformats.org/markup-compatibility/2006" xmlns:p14="http://schemas.microsoft.com/office/powerpoint/2010/main">
+    <mc:Choice Requires="p14">
       <p:transition spd="med" p14:dur="700">
         <p:fade/>
       </p:transition>
     </mc:Choice>
-    <mc:Fallback>
+    <mc:Fallback xmlns="">
       <p:transition spd="med">
         <p:fade/>
       </p:transition>
@@ -5912,13 +5912,13 @@
   <p:clrMapOvr>
     <a:masterClrMapping/>
   </p:clrMapOvr>
-  <mc:AlternateContent xmlns:mc="http://schemas.openxmlformats.org/markup-compatibility/2006">
-    <mc:Choice xmlns:p14="http://schemas.microsoft.com/office/powerpoint/2010/main" Requires="p14">
+  <mc:AlternateContent xmlns:mc="http://schemas.openxmlformats.org/markup-compatibility/2006" xmlns:p14="http://schemas.microsoft.com/office/powerpoint/2010/main">
+    <mc:Choice Requires="p14">
       <p:transition spd="med" p14:dur="700">
         <p:fade/>
       </p:transition>
     </mc:Choice>
-    <mc:Fallback>
+    <mc:Fallback xmlns="">
       <p:transition spd="med">
         <p:fade/>
       </p:transition>
@@ -6117,13 +6117,13 @@
   <p:clrMapOvr>
     <a:masterClrMapping/>
   </p:clrMapOvr>
-  <mc:AlternateContent xmlns:mc="http://schemas.openxmlformats.org/markup-compatibility/2006">
-    <mc:Choice xmlns:p14="http://schemas.microsoft.com/office/powerpoint/2010/main" Requires="p14">
+  <mc:AlternateContent xmlns:mc="http://schemas.openxmlformats.org/markup-compatibility/2006" xmlns:p14="http://schemas.microsoft.com/office/powerpoint/2010/main">
+    <mc:Choice Requires="p14">
       <p:transition spd="med" p14:dur="700">
         <p:fade/>
       </p:transition>
     </mc:Choice>
-    <mc:Fallback>
+    <mc:Fallback xmlns="">
       <p:transition spd="med">
         <p:fade/>
       </p:transition>
@@ -6293,13 +6293,13 @@
   <p:clrMapOvr>
     <a:masterClrMapping/>
   </p:clrMapOvr>
-  <mc:AlternateContent xmlns:mc="http://schemas.openxmlformats.org/markup-compatibility/2006">
-    <mc:Choice xmlns:p14="http://schemas.microsoft.com/office/powerpoint/2010/main" Requires="p14">
+  <mc:AlternateContent xmlns:mc="http://schemas.openxmlformats.org/markup-compatibility/2006" xmlns:p14="http://schemas.microsoft.com/office/powerpoint/2010/main">
+    <mc:Choice Requires="p14">
       <p:transition spd="med" p14:dur="700">
         <p:fade/>
       </p:transition>
     </mc:Choice>
-    <mc:Fallback>
+    <mc:Fallback xmlns="">
       <p:transition spd="med">
         <p:fade/>
       </p:transition>
@@ -6517,13 +6517,13 @@
   <p:clrMapOvr>
     <a:masterClrMapping/>
   </p:clrMapOvr>
-  <mc:AlternateContent xmlns:mc="http://schemas.openxmlformats.org/markup-compatibility/2006">
-    <mc:Choice xmlns:p14="http://schemas.microsoft.com/office/powerpoint/2010/main" Requires="p14">
+  <mc:AlternateContent xmlns:mc="http://schemas.openxmlformats.org/markup-compatibility/2006" xmlns:p14="http://schemas.microsoft.com/office/powerpoint/2010/main">
+    <mc:Choice Requires="p14">
       <p:transition spd="med" p14:dur="700">
         <p:fade/>
       </p:transition>
     </mc:Choice>
-    <mc:Fallback>
+    <mc:Fallback xmlns="">
       <p:transition spd="med">
         <p:fade/>
       </p:transition>
@@ -6776,13 +6776,13 @@
   <p:clrMapOvr>
     <a:masterClrMapping/>
   </p:clrMapOvr>
-  <mc:AlternateContent xmlns:mc="http://schemas.openxmlformats.org/markup-compatibility/2006">
-    <mc:Choice xmlns:p14="http://schemas.microsoft.com/office/powerpoint/2010/main" Requires="p14">
+  <mc:AlternateContent xmlns:mc="http://schemas.openxmlformats.org/markup-compatibility/2006" xmlns:p14="http://schemas.microsoft.com/office/powerpoint/2010/main">
+    <mc:Choice Requires="p14">
       <p:transition spd="med" p14:dur="700">
         <p:fade/>
       </p:transition>
     </mc:Choice>
-    <mc:Fallback>
+    <mc:Fallback xmlns="">
       <p:transition spd="med">
         <p:fade/>
       </p:transition>
@@ -6937,13 +6937,13 @@
   <p:clrMapOvr>
     <a:masterClrMapping/>
   </p:clrMapOvr>
-  <mc:AlternateContent xmlns:mc="http://schemas.openxmlformats.org/markup-compatibility/2006">
-    <mc:Choice xmlns:p14="http://schemas.microsoft.com/office/powerpoint/2010/main" Requires="p14">
+  <mc:AlternateContent xmlns:mc="http://schemas.openxmlformats.org/markup-compatibility/2006" xmlns:p14="http://schemas.microsoft.com/office/powerpoint/2010/main">
+    <mc:Choice Requires="p14">
       <p:transition spd="med" p14:dur="700">
         <p:fade/>
       </p:transition>
     </mc:Choice>
-    <mc:Fallback>
+    <mc:Fallback xmlns="">
       <p:transition spd="med">
         <p:fade/>
       </p:transition>
@@ -7152,13 +7152,13 @@
   <p:clrMapOvr>
     <a:masterClrMapping/>
   </p:clrMapOvr>
-  <mc:AlternateContent xmlns:mc="http://schemas.openxmlformats.org/markup-compatibility/2006">
-    <mc:Choice xmlns:p14="http://schemas.microsoft.com/office/powerpoint/2010/main" Requires="p14">
+  <mc:AlternateContent xmlns:mc="http://schemas.openxmlformats.org/markup-compatibility/2006" xmlns:p14="http://schemas.microsoft.com/office/powerpoint/2010/main">
+    <mc:Choice Requires="p14">
       <p:transition spd="med" p14:dur="700">
         <p:fade/>
       </p:transition>
     </mc:Choice>
-    <mc:Fallback>
+    <mc:Fallback xmlns="">
       <p:transition spd="med">
         <p:fade/>
       </p:transition>
@@ -7401,13 +7401,13 @@
   <p:clrMapOvr>
     <a:masterClrMapping/>
   </p:clrMapOvr>
-  <mc:AlternateContent xmlns:mc="http://schemas.openxmlformats.org/markup-compatibility/2006">
-    <mc:Choice xmlns:p14="http://schemas.microsoft.com/office/powerpoint/2010/main" Requires="p14">
+  <mc:AlternateContent xmlns:mc="http://schemas.openxmlformats.org/markup-compatibility/2006" xmlns:p14="http://schemas.microsoft.com/office/powerpoint/2010/main">
+    <mc:Choice Requires="p14">
       <p:transition spd="med" p14:dur="700">
         <p:fade/>
       </p:transition>
     </mc:Choice>
-    <mc:Fallback>
+    <mc:Fallback xmlns="">
       <p:transition spd="med">
         <p:fade/>
       </p:transition>
@@ -7809,13 +7809,13 @@
   <p:clrMapOvr>
     <a:masterClrMapping/>
   </p:clrMapOvr>
-  <mc:AlternateContent xmlns:mc="http://schemas.openxmlformats.org/markup-compatibility/2006">
-    <mc:Choice xmlns:p14="http://schemas.microsoft.com/office/powerpoint/2010/main" Requires="p14">
+  <mc:AlternateContent xmlns:mc="http://schemas.openxmlformats.org/markup-compatibility/2006" xmlns:p14="http://schemas.microsoft.com/office/powerpoint/2010/main">
+    <mc:Choice Requires="p14">
       <p:transition spd="med" p14:dur="700">
         <p:fade/>
       </p:transition>
     </mc:Choice>
-    <mc:Fallback>
+    <mc:Fallback xmlns="">
       <p:transition spd="med">
         <p:fade/>
       </p:transition>
@@ -8075,13 +8075,13 @@
   <p:clrMapOvr>
     <a:masterClrMapping/>
   </p:clrMapOvr>
-  <mc:AlternateContent xmlns:mc="http://schemas.openxmlformats.org/markup-compatibility/2006">
-    <mc:Choice xmlns:p14="http://schemas.microsoft.com/office/powerpoint/2010/main" Requires="p14">
+  <mc:AlternateContent xmlns:mc="http://schemas.openxmlformats.org/markup-compatibility/2006" xmlns:p14="http://schemas.microsoft.com/office/powerpoint/2010/main">
+    <mc:Choice Requires="p14">
       <p:transition spd="med" p14:dur="700">
         <p:fade/>
       </p:transition>
     </mc:Choice>
-    <mc:Fallback>
+    <mc:Fallback xmlns="">
       <p:transition spd="med">
         <p:fade/>
       </p:transition>
@@ -8252,13 +8252,13 @@
   <p:clrMapOvr>
     <a:masterClrMapping/>
   </p:clrMapOvr>
-  <mc:AlternateContent xmlns:mc="http://schemas.openxmlformats.org/markup-compatibility/2006">
-    <mc:Choice xmlns:p14="http://schemas.microsoft.com/office/powerpoint/2010/main" Requires="p14">
+  <mc:AlternateContent xmlns:mc="http://schemas.openxmlformats.org/markup-compatibility/2006" xmlns:p14="http://schemas.microsoft.com/office/powerpoint/2010/main">
+    <mc:Choice Requires="p14">
       <p:transition spd="med" p14:dur="700">
         <p:fade/>
       </p:transition>
     </mc:Choice>
-    <mc:Fallback>
+    <mc:Fallback xmlns="">
       <p:transition spd="med">
         <p:fade/>
       </p:transition>
@@ -8440,13 +8440,13 @@
   <p:clrMapOvr>
     <a:masterClrMapping/>
   </p:clrMapOvr>
-  <mc:AlternateContent xmlns:mc="http://schemas.openxmlformats.org/markup-compatibility/2006">
-    <mc:Choice xmlns:p14="http://schemas.microsoft.com/office/powerpoint/2010/main" Requires="p14">
+  <mc:AlternateContent xmlns:mc="http://schemas.openxmlformats.org/markup-compatibility/2006" xmlns:p14="http://schemas.microsoft.com/office/powerpoint/2010/main">
+    <mc:Choice Requires="p14">
       <p:transition spd="med" p14:dur="700">
         <p:fade/>
       </p:transition>
     </mc:Choice>
-    <mc:Fallback>
+    <mc:Fallback xmlns="">
       <p:transition spd="med">
         <p:fade/>
       </p:transition>
@@ -8926,13 +8926,13 @@
   <p:clrMapOvr>
     <a:masterClrMapping/>
   </p:clrMapOvr>
-  <mc:AlternateContent xmlns:mc="http://schemas.openxmlformats.org/markup-compatibility/2006">
-    <mc:Choice xmlns:p14="http://schemas.microsoft.com/office/powerpoint/2010/main" Requires="p14">
+  <mc:AlternateContent xmlns:mc="http://schemas.openxmlformats.org/markup-compatibility/2006" xmlns:p14="http://schemas.microsoft.com/office/powerpoint/2010/main">
+    <mc:Choice Requires="p14">
       <p:transition spd="med" p14:dur="700">
         <p:fade/>
       </p:transition>
     </mc:Choice>
-    <mc:Fallback>
+    <mc:Fallback xmlns="">
       <p:transition spd="med">
         <p:fade/>
       </p:transition>
@@ -9500,13 +9500,13 @@
   <p:clrMapOvr>
     <a:masterClrMapping/>
   </p:clrMapOvr>
-  <mc:AlternateContent xmlns:mc="http://schemas.openxmlformats.org/markup-compatibility/2006">
-    <mc:Choice xmlns:p14="http://schemas.microsoft.com/office/powerpoint/2010/main" Requires="p14">
+  <mc:AlternateContent xmlns:mc="http://schemas.openxmlformats.org/markup-compatibility/2006" xmlns:p14="http://schemas.microsoft.com/office/powerpoint/2010/main">
+    <mc:Choice Requires="p14">
       <p:transition spd="med" p14:dur="700">
         <p:fade/>
       </p:transition>
     </mc:Choice>
-    <mc:Fallback>
+    <mc:Fallback xmlns="">
       <p:transition spd="med">
         <p:fade/>
       </p:transition>
